--- a/continuum_mechanics/mind_map/picture/resource.pptx
+++ b/continuum_mechanics/mind_map/picture/resource.pptx
@@ -6,6 +6,7 @@
   </p:sldMasterIdLst>
   <p:sldIdLst>
     <p:sldId id="256" r:id="rId2"/>
+    <p:sldId id="257" r:id="rId3"/>
   </p:sldIdLst>
   <p:sldSz cx="12192000" cy="6858000"/>
   <p:notesSz cx="6858000" cy="9144000"/>
@@ -254,7 +255,7 @@
           <a:p>
             <a:fld id="{C0091C7D-8C70-41A8-9A57-8B63E0D326AF}" type="datetimeFigureOut">
               <a:rPr lang="en-US" smtClean="0"/>
-              <a:t>8/29/2018</a:t>
+              <a:t>9/3/2018</a:t>
             </a:fld>
             <a:endParaRPr lang="en-US"/>
           </a:p>
@@ -424,7 +425,7 @@
           <a:p>
             <a:fld id="{C0091C7D-8C70-41A8-9A57-8B63E0D326AF}" type="datetimeFigureOut">
               <a:rPr lang="en-US" smtClean="0"/>
-              <a:t>8/29/2018</a:t>
+              <a:t>9/3/2018</a:t>
             </a:fld>
             <a:endParaRPr lang="en-US"/>
           </a:p>
@@ -604,7 +605,7 @@
           <a:p>
             <a:fld id="{C0091C7D-8C70-41A8-9A57-8B63E0D326AF}" type="datetimeFigureOut">
               <a:rPr lang="en-US" smtClean="0"/>
-              <a:t>8/29/2018</a:t>
+              <a:t>9/3/2018</a:t>
             </a:fld>
             <a:endParaRPr lang="en-US"/>
           </a:p>
@@ -774,7 +775,7 @@
           <a:p>
             <a:fld id="{C0091C7D-8C70-41A8-9A57-8B63E0D326AF}" type="datetimeFigureOut">
               <a:rPr lang="en-US" smtClean="0"/>
-              <a:t>8/29/2018</a:t>
+              <a:t>9/3/2018</a:t>
             </a:fld>
             <a:endParaRPr lang="en-US"/>
           </a:p>
@@ -1020,7 +1021,7 @@
           <a:p>
             <a:fld id="{C0091C7D-8C70-41A8-9A57-8B63E0D326AF}" type="datetimeFigureOut">
               <a:rPr lang="en-US" smtClean="0"/>
-              <a:t>8/29/2018</a:t>
+              <a:t>9/3/2018</a:t>
             </a:fld>
             <a:endParaRPr lang="en-US"/>
           </a:p>
@@ -1252,7 +1253,7 @@
           <a:p>
             <a:fld id="{C0091C7D-8C70-41A8-9A57-8B63E0D326AF}" type="datetimeFigureOut">
               <a:rPr lang="en-US" smtClean="0"/>
-              <a:t>8/29/2018</a:t>
+              <a:t>9/3/2018</a:t>
             </a:fld>
             <a:endParaRPr lang="en-US"/>
           </a:p>
@@ -1619,7 +1620,7 @@
           <a:p>
             <a:fld id="{C0091C7D-8C70-41A8-9A57-8B63E0D326AF}" type="datetimeFigureOut">
               <a:rPr lang="en-US" smtClean="0"/>
-              <a:t>8/29/2018</a:t>
+              <a:t>9/3/2018</a:t>
             </a:fld>
             <a:endParaRPr lang="en-US"/>
           </a:p>
@@ -1737,7 +1738,7 @@
           <a:p>
             <a:fld id="{C0091C7D-8C70-41A8-9A57-8B63E0D326AF}" type="datetimeFigureOut">
               <a:rPr lang="en-US" smtClean="0"/>
-              <a:t>8/29/2018</a:t>
+              <a:t>9/3/2018</a:t>
             </a:fld>
             <a:endParaRPr lang="en-US"/>
           </a:p>
@@ -1832,7 +1833,7 @@
           <a:p>
             <a:fld id="{C0091C7D-8C70-41A8-9A57-8B63E0D326AF}" type="datetimeFigureOut">
               <a:rPr lang="en-US" smtClean="0"/>
-              <a:t>8/29/2018</a:t>
+              <a:t>9/3/2018</a:t>
             </a:fld>
             <a:endParaRPr lang="en-US"/>
           </a:p>
@@ -2109,7 +2110,7 @@
           <a:p>
             <a:fld id="{C0091C7D-8C70-41A8-9A57-8B63E0D326AF}" type="datetimeFigureOut">
               <a:rPr lang="en-US" smtClean="0"/>
-              <a:t>8/29/2018</a:t>
+              <a:t>9/3/2018</a:t>
             </a:fld>
             <a:endParaRPr lang="en-US"/>
           </a:p>
@@ -2362,7 +2363,7 @@
           <a:p>
             <a:fld id="{C0091C7D-8C70-41A8-9A57-8B63E0D326AF}" type="datetimeFigureOut">
               <a:rPr lang="en-US" smtClean="0"/>
-              <a:t>8/29/2018</a:t>
+              <a:t>9/3/2018</a:t>
             </a:fld>
             <a:endParaRPr lang="en-US"/>
           </a:p>
@@ -2575,7 +2576,7 @@
           <a:p>
             <a:fld id="{C0091C7D-8C70-41A8-9A57-8B63E0D326AF}" type="datetimeFigureOut">
               <a:rPr lang="en-US" smtClean="0"/>
-              <a:t>8/29/2018</a:t>
+              <a:t>9/3/2018</a:t>
             </a:fld>
             <a:endParaRPr lang="en-US"/>
           </a:p>
@@ -6969,10 +6970,800 @@
           </mc:AlternateContent>
         </p:grpSp>
       </p:grpSp>
+      <p:sp>
+        <p:nvSpPr>
+          <p:cNvPr id="2" name="Rechteck 1"/>
+          <p:cNvSpPr/>
+          <p:nvPr/>
+        </p:nvSpPr>
+        <p:spPr>
+          <a:xfrm>
+            <a:off x="6347937" y="844085"/>
+            <a:ext cx="3397565" cy="1778478"/>
+          </a:xfrm>
+          <a:prstGeom prst="rect">
+            <a:avLst/>
+          </a:prstGeom>
+          <a:ln>
+            <a:noFill/>
+          </a:ln>
+        </p:spPr>
+        <p:style>
+          <a:lnRef idx="2">
+            <a:schemeClr val="accent6">
+              <a:shade val="50000"/>
+            </a:schemeClr>
+          </a:lnRef>
+          <a:fillRef idx="1">
+            <a:schemeClr val="accent6"/>
+          </a:fillRef>
+          <a:effectRef idx="0">
+            <a:schemeClr val="accent6"/>
+          </a:effectRef>
+          <a:fontRef idx="minor">
+            <a:schemeClr val="lt1"/>
+          </a:fontRef>
+        </p:style>
+        <p:txBody>
+          <a:bodyPr rtlCol="0" anchor="ctr"/>
+          <a:lstStyle/>
+          <a:p>
+            <a:pPr algn="ctr"/>
+            <a:endParaRPr lang="en-US"/>
+          </a:p>
+        </p:txBody>
+      </p:sp>
+      <p:sp>
+        <p:nvSpPr>
+          <p:cNvPr id="39" name="Rechteck 38"/>
+          <p:cNvSpPr/>
+          <p:nvPr/>
+        </p:nvSpPr>
+        <p:spPr>
+          <a:xfrm>
+            <a:off x="6418802" y="886422"/>
+            <a:ext cx="3267006" cy="1693913"/>
+          </a:xfrm>
+          <a:prstGeom prst="rect">
+            <a:avLst/>
+          </a:prstGeom>
+          <a:noFill/>
+          <a:ln w="28575">
+            <a:solidFill>
+              <a:schemeClr val="bg1"/>
+            </a:solidFill>
+          </a:ln>
+        </p:spPr>
+        <p:style>
+          <a:lnRef idx="2">
+            <a:schemeClr val="accent6">
+              <a:shade val="50000"/>
+            </a:schemeClr>
+          </a:lnRef>
+          <a:fillRef idx="1">
+            <a:schemeClr val="accent6"/>
+          </a:fillRef>
+          <a:effectRef idx="0">
+            <a:schemeClr val="accent6"/>
+          </a:effectRef>
+          <a:fontRef idx="minor">
+            <a:schemeClr val="lt1"/>
+          </a:fontRef>
+        </p:style>
+        <p:txBody>
+          <a:bodyPr rtlCol="0" anchor="ctr"/>
+          <a:lstStyle/>
+          <a:p>
+            <a:pPr algn="ctr"/>
+            <a:endParaRPr lang="en-US"/>
+          </a:p>
+        </p:txBody>
+      </p:sp>
+      <p:cxnSp>
+        <p:nvCxnSpPr>
+          <p:cNvPr id="11" name="Gerader Verbinder 10"/>
+          <p:cNvCxnSpPr>
+            <a:stCxn id="39" idx="0"/>
+            <a:endCxn id="39" idx="2"/>
+          </p:cNvCxnSpPr>
+          <p:nvPr/>
+        </p:nvCxnSpPr>
+        <p:spPr>
+          <a:xfrm>
+            <a:off x="8052305" y="886422"/>
+            <a:ext cx="0" cy="1693913"/>
+          </a:xfrm>
+          <a:prstGeom prst="line">
+            <a:avLst/>
+          </a:prstGeom>
+          <a:ln w="28575">
+            <a:solidFill>
+              <a:schemeClr val="bg1"/>
+            </a:solidFill>
+          </a:ln>
+        </p:spPr>
+        <p:style>
+          <a:lnRef idx="1">
+            <a:schemeClr val="accent1"/>
+          </a:lnRef>
+          <a:fillRef idx="0">
+            <a:schemeClr val="accent1"/>
+          </a:fillRef>
+          <a:effectRef idx="0">
+            <a:schemeClr val="accent1"/>
+          </a:effectRef>
+          <a:fontRef idx="minor">
+            <a:schemeClr val="tx1"/>
+          </a:fontRef>
+        </p:style>
+      </p:cxnSp>
+      <p:sp>
+        <p:nvSpPr>
+          <p:cNvPr id="13" name="Ellipse 12"/>
+          <p:cNvSpPr/>
+          <p:nvPr/>
+        </p:nvSpPr>
+        <p:spPr>
+          <a:xfrm>
+            <a:off x="7909305" y="1586326"/>
+            <a:ext cx="293995" cy="293995"/>
+          </a:xfrm>
+          <a:prstGeom prst="ellipse">
+            <a:avLst/>
+          </a:prstGeom>
+          <a:noFill/>
+          <a:ln w="28575">
+            <a:solidFill>
+              <a:schemeClr val="bg1"/>
+            </a:solidFill>
+          </a:ln>
+        </p:spPr>
+        <p:style>
+          <a:lnRef idx="2">
+            <a:schemeClr val="accent1">
+              <a:shade val="50000"/>
+            </a:schemeClr>
+          </a:lnRef>
+          <a:fillRef idx="1">
+            <a:schemeClr val="accent1"/>
+          </a:fillRef>
+          <a:effectRef idx="0">
+            <a:schemeClr val="accent1"/>
+          </a:effectRef>
+          <a:fontRef idx="minor">
+            <a:schemeClr val="lt1"/>
+          </a:fontRef>
+        </p:style>
+        <p:txBody>
+          <a:bodyPr rtlCol="0" anchor="ctr"/>
+          <a:lstStyle/>
+          <a:p>
+            <a:pPr algn="ctr"/>
+            <a:endParaRPr lang="en-US"/>
+          </a:p>
+        </p:txBody>
+      </p:sp>
+      <p:sp>
+        <p:nvSpPr>
+          <p:cNvPr id="15" name="Rechteck 14"/>
+          <p:cNvSpPr/>
+          <p:nvPr/>
+        </p:nvSpPr>
+        <p:spPr>
+          <a:xfrm>
+            <a:off x="6418802" y="1356761"/>
+            <a:ext cx="552112" cy="763289"/>
+          </a:xfrm>
+          <a:prstGeom prst="rect">
+            <a:avLst/>
+          </a:prstGeom>
+          <a:noFill/>
+          <a:ln w="28575">
+            <a:solidFill>
+              <a:schemeClr val="bg1"/>
+            </a:solidFill>
+          </a:ln>
+        </p:spPr>
+        <p:style>
+          <a:lnRef idx="2">
+            <a:schemeClr val="accent1">
+              <a:shade val="50000"/>
+            </a:schemeClr>
+          </a:lnRef>
+          <a:fillRef idx="1">
+            <a:schemeClr val="accent1"/>
+          </a:fillRef>
+          <a:effectRef idx="0">
+            <a:schemeClr val="accent1"/>
+          </a:effectRef>
+          <a:fontRef idx="minor">
+            <a:schemeClr val="lt1"/>
+          </a:fontRef>
+        </p:style>
+        <p:txBody>
+          <a:bodyPr rtlCol="0" anchor="ctr"/>
+          <a:lstStyle/>
+          <a:p>
+            <a:pPr algn="ctr"/>
+            <a:endParaRPr lang="en-US"/>
+          </a:p>
+        </p:txBody>
+      </p:sp>
+      <p:sp>
+        <p:nvSpPr>
+          <p:cNvPr id="44" name="Rechteck 43"/>
+          <p:cNvSpPr/>
+          <p:nvPr/>
+        </p:nvSpPr>
+        <p:spPr>
+          <a:xfrm>
+            <a:off x="9135611" y="1362307"/>
+            <a:ext cx="552112" cy="763289"/>
+          </a:xfrm>
+          <a:prstGeom prst="rect">
+            <a:avLst/>
+          </a:prstGeom>
+          <a:noFill/>
+          <a:ln w="28575">
+            <a:solidFill>
+              <a:schemeClr val="bg1"/>
+            </a:solidFill>
+          </a:ln>
+        </p:spPr>
+        <p:style>
+          <a:lnRef idx="2">
+            <a:schemeClr val="accent1">
+              <a:shade val="50000"/>
+            </a:schemeClr>
+          </a:lnRef>
+          <a:fillRef idx="1">
+            <a:schemeClr val="accent1"/>
+          </a:fillRef>
+          <a:effectRef idx="0">
+            <a:schemeClr val="accent1"/>
+          </a:effectRef>
+          <a:fontRef idx="minor">
+            <a:schemeClr val="lt1"/>
+          </a:fontRef>
+        </p:style>
+        <p:txBody>
+          <a:bodyPr rtlCol="0" anchor="ctr"/>
+          <a:lstStyle/>
+          <a:p>
+            <a:pPr algn="ctr"/>
+            <a:endParaRPr lang="en-US"/>
+          </a:p>
+        </p:txBody>
+      </p:sp>
+      <p:sp>
+        <p:nvSpPr>
+          <p:cNvPr id="16" name="Ellipse 15"/>
+          <p:cNvSpPr/>
+          <p:nvPr/>
+        </p:nvSpPr>
+        <p:spPr>
+          <a:xfrm>
+            <a:off x="5325533" y="2716028"/>
+            <a:ext cx="287469" cy="287469"/>
+          </a:xfrm>
+          <a:prstGeom prst="ellipse">
+            <a:avLst/>
+          </a:prstGeom>
+          <a:ln w="28575">
+            <a:solidFill>
+              <a:schemeClr val="bg1"/>
+            </a:solidFill>
+          </a:ln>
+        </p:spPr>
+        <p:style>
+          <a:lnRef idx="2">
+            <a:schemeClr val="accent6">
+              <a:shade val="50000"/>
+            </a:schemeClr>
+          </a:lnRef>
+          <a:fillRef idx="1">
+            <a:schemeClr val="accent6"/>
+          </a:fillRef>
+          <a:effectRef idx="0">
+            <a:schemeClr val="accent6"/>
+          </a:effectRef>
+          <a:fontRef idx="minor">
+            <a:schemeClr val="lt1"/>
+          </a:fontRef>
+        </p:style>
+        <p:txBody>
+          <a:bodyPr rtlCol="0" anchor="ctr"/>
+          <a:lstStyle/>
+          <a:p>
+            <a:pPr algn="ctr"/>
+            <a:endParaRPr lang="en-US"/>
+          </a:p>
+        </p:txBody>
+      </p:sp>
+      <p:sp>
+        <p:nvSpPr>
+          <p:cNvPr id="45" name="Ellipse 44"/>
+          <p:cNvSpPr/>
+          <p:nvPr/>
+        </p:nvSpPr>
+        <p:spPr>
+          <a:xfrm>
+            <a:off x="5707167" y="2705497"/>
+            <a:ext cx="287469" cy="287469"/>
+          </a:xfrm>
+          <a:prstGeom prst="ellipse">
+            <a:avLst/>
+          </a:prstGeom>
+        </p:spPr>
+        <p:style>
+          <a:lnRef idx="2">
+            <a:schemeClr val="accent6">
+              <a:shade val="50000"/>
+            </a:schemeClr>
+          </a:lnRef>
+          <a:fillRef idx="1">
+            <a:schemeClr val="accent6"/>
+          </a:fillRef>
+          <a:effectRef idx="0">
+            <a:schemeClr val="accent6"/>
+          </a:effectRef>
+          <a:fontRef idx="minor">
+            <a:schemeClr val="lt1"/>
+          </a:fontRef>
+        </p:style>
+        <p:txBody>
+          <a:bodyPr rtlCol="0" anchor="ctr"/>
+          <a:lstStyle/>
+          <a:p>
+            <a:pPr algn="ctr"/>
+            <a:endParaRPr lang="en-US"/>
+          </a:p>
+        </p:txBody>
+      </p:sp>
+      <p:pic>
+        <p:nvPicPr>
+          <p:cNvPr id="24" name="Grafik 23"/>
+          <p:cNvPicPr>
+            <a:picLocks noChangeAspect="1"/>
+          </p:cNvPicPr>
+          <p:nvPr/>
+        </p:nvPicPr>
+        <p:blipFill rotWithShape="1">
+          <a:blip r:embed="rId7"/>
+          <a:srcRect l="52526" t="-3356" b="-1"/>
+          <a:stretch/>
+        </p:blipFill>
+        <p:spPr>
+          <a:xfrm>
+            <a:off x="6982368" y="1581676"/>
+            <a:ext cx="150503" cy="327660"/>
+          </a:xfrm>
+          <a:prstGeom prst="rect">
+            <a:avLst/>
+          </a:prstGeom>
+        </p:spPr>
+      </p:pic>
+      <p:pic>
+        <p:nvPicPr>
+          <p:cNvPr id="47" name="Grafik 46"/>
+          <p:cNvPicPr>
+            <a:picLocks noChangeAspect="1"/>
+          </p:cNvPicPr>
+          <p:nvPr/>
+        </p:nvPicPr>
+        <p:blipFill rotWithShape="1">
+          <a:blip r:embed="rId7"/>
+          <a:srcRect l="-48904" t="-3358" r="50088" b="-44239"/>
+          <a:stretch/>
+        </p:blipFill>
+        <p:spPr>
+          <a:xfrm>
+            <a:off x="8812474" y="1581676"/>
+            <a:ext cx="313267" cy="467909"/>
+          </a:xfrm>
+          <a:prstGeom prst="rect">
+            <a:avLst/>
+          </a:prstGeom>
+        </p:spPr>
+      </p:pic>
+      <p:sp>
+        <p:nvSpPr>
+          <p:cNvPr id="31" name="Textfeld 30"/>
+          <p:cNvSpPr txBox="1"/>
+          <p:nvPr/>
+        </p:nvSpPr>
+        <p:spPr>
+          <a:xfrm>
+            <a:off x="6592652" y="1450305"/>
+            <a:ext cx="3182697" cy="584775"/>
+          </a:xfrm>
+          <a:prstGeom prst="rect">
+            <a:avLst/>
+          </a:prstGeom>
+          <a:noFill/>
+        </p:spPr>
+        <p:txBody>
+          <a:bodyPr wrap="square" rtlCol="0">
+            <a:spAutoFit/>
+          </a:bodyPr>
+          <a:lstStyle/>
+          <a:p>
+            <a:r>
+              <a:rPr lang="en-US" sz="3200" dirty="0" smtClean="0"/>
+              <a:t>FIELD FUNCTION</a:t>
+            </a:r>
+          </a:p>
+        </p:txBody>
+      </p:sp>
     </p:spTree>
     <p:extLst>
       <p:ext uri="{BB962C8B-B14F-4D97-AF65-F5344CB8AC3E}">
         <p14:creationId xmlns:p14="http://schemas.microsoft.com/office/powerpoint/2010/main" val="3570549296"/>
+      </p:ext>
+    </p:extLst>
+  </p:cSld>
+  <p:clrMapOvr>
+    <a:masterClrMapping/>
+  </p:clrMapOvr>
+</p:sld>
+</file>
+
+<file path=ppt/slides/slide2.xml><?xml version="1.0" encoding="utf-8"?>
+<p:sld xmlns:a="http://schemas.openxmlformats.org/drawingml/2006/main" xmlns:r="http://schemas.openxmlformats.org/officeDocument/2006/relationships" xmlns:p="http://schemas.openxmlformats.org/presentationml/2006/main">
+  <p:cSld>
+    <p:spTree>
+      <p:nvGrpSpPr>
+        <p:cNvPr id="1" name=""/>
+        <p:cNvGrpSpPr/>
+        <p:nvPr/>
+      </p:nvGrpSpPr>
+      <p:grpSpPr>
+        <a:xfrm>
+          <a:off x="0" y="0"/>
+          <a:ext cx="0" cy="0"/>
+          <a:chOff x="0" y="0"/>
+          <a:chExt cx="0" cy="0"/>
+        </a:xfrm>
+      </p:grpSpPr>
+      <p:pic>
+        <p:nvPicPr>
+          <p:cNvPr id="4" name="Grafik 3"/>
+          <p:cNvPicPr>
+            <a:picLocks noChangeAspect="1"/>
+          </p:cNvPicPr>
+          <p:nvPr/>
+        </p:nvPicPr>
+        <p:blipFill>
+          <a:blip r:embed="rId2">
+            <a:extLst>
+              <a:ext uri="{28A0092B-C50C-407E-A947-70E740481C1C}">
+                <a14:useLocalDpi xmlns:a14="http://schemas.microsoft.com/office/drawing/2010/main" val="0"/>
+              </a:ext>
+            </a:extLst>
+          </a:blip>
+          <a:stretch>
+            <a:fillRect/>
+          </a:stretch>
+        </p:blipFill>
+        <p:spPr>
+          <a:xfrm>
+            <a:off x="2906622" y="1188249"/>
+            <a:ext cx="4638675" cy="3724275"/>
+          </a:xfrm>
+          <a:prstGeom prst="rect">
+            <a:avLst/>
+          </a:prstGeom>
+        </p:spPr>
+      </p:pic>
+      <p:cxnSp>
+        <p:nvCxnSpPr>
+          <p:cNvPr id="6" name="Gerade Verbindung mit Pfeil 5"/>
+          <p:cNvCxnSpPr/>
+          <p:nvPr/>
+        </p:nvCxnSpPr>
+        <p:spPr>
+          <a:xfrm flipV="1">
+            <a:off x="5276761" y="1188249"/>
+            <a:ext cx="0" cy="3426084"/>
+          </a:xfrm>
+          <a:prstGeom prst="straightConnector1">
+            <a:avLst/>
+          </a:prstGeom>
+          <a:ln w="12700">
+            <a:solidFill>
+              <a:schemeClr val="tx1"/>
+            </a:solidFill>
+            <a:tailEnd type="triangle"/>
+          </a:ln>
+        </p:spPr>
+        <p:style>
+          <a:lnRef idx="1">
+            <a:schemeClr val="accent1"/>
+          </a:lnRef>
+          <a:fillRef idx="0">
+            <a:schemeClr val="accent1"/>
+          </a:fillRef>
+          <a:effectRef idx="0">
+            <a:schemeClr val="accent1"/>
+          </a:effectRef>
+          <a:fontRef idx="minor">
+            <a:schemeClr val="tx1"/>
+          </a:fontRef>
+        </p:style>
+      </p:cxnSp>
+      <p:cxnSp>
+        <p:nvCxnSpPr>
+          <p:cNvPr id="8" name="Gerade Verbindung mit Pfeil 7"/>
+          <p:cNvCxnSpPr/>
+          <p:nvPr/>
+        </p:nvCxnSpPr>
+        <p:spPr>
+          <a:xfrm>
+            <a:off x="3208867" y="2939393"/>
+            <a:ext cx="4275666" cy="0"/>
+          </a:xfrm>
+          <a:prstGeom prst="straightConnector1">
+            <a:avLst/>
+          </a:prstGeom>
+          <a:ln w="12700">
+            <a:solidFill>
+              <a:schemeClr val="tx1"/>
+            </a:solidFill>
+            <a:tailEnd type="triangle"/>
+          </a:ln>
+        </p:spPr>
+        <p:style>
+          <a:lnRef idx="1">
+            <a:schemeClr val="accent1"/>
+          </a:lnRef>
+          <a:fillRef idx="0">
+            <a:schemeClr val="accent1"/>
+          </a:fillRef>
+          <a:effectRef idx="0">
+            <a:schemeClr val="accent1"/>
+          </a:effectRef>
+          <a:fontRef idx="minor">
+            <a:schemeClr val="tx1"/>
+          </a:fontRef>
+        </p:style>
+      </p:cxnSp>
+      <p:sp>
+        <p:nvSpPr>
+          <p:cNvPr id="10" name="Ellipse 9"/>
+          <p:cNvSpPr/>
+          <p:nvPr/>
+        </p:nvSpPr>
+        <p:spPr>
+          <a:xfrm>
+            <a:off x="6087535" y="2099732"/>
+            <a:ext cx="67733" cy="67733"/>
+          </a:xfrm>
+          <a:prstGeom prst="ellipse">
+            <a:avLst/>
+          </a:prstGeom>
+        </p:spPr>
+        <p:style>
+          <a:lnRef idx="2">
+            <a:schemeClr val="dk1">
+              <a:shade val="50000"/>
+            </a:schemeClr>
+          </a:lnRef>
+          <a:fillRef idx="1">
+            <a:schemeClr val="dk1"/>
+          </a:fillRef>
+          <a:effectRef idx="0">
+            <a:schemeClr val="dk1"/>
+          </a:effectRef>
+          <a:fontRef idx="minor">
+            <a:schemeClr val="lt1"/>
+          </a:fontRef>
+        </p:style>
+        <p:txBody>
+          <a:bodyPr rtlCol="0" anchor="ctr"/>
+          <a:lstStyle/>
+          <a:p>
+            <a:pPr algn="ctr"/>
+            <a:endParaRPr lang="en-US"/>
+          </a:p>
+        </p:txBody>
+      </p:sp>
+      <p:sp>
+        <p:nvSpPr>
+          <p:cNvPr id="11" name="Textfeld 10"/>
+          <p:cNvSpPr txBox="1"/>
+          <p:nvPr/>
+        </p:nvSpPr>
+        <p:spPr>
+          <a:xfrm>
+            <a:off x="6155268" y="1820332"/>
+            <a:ext cx="303288" cy="369332"/>
+          </a:xfrm>
+          <a:prstGeom prst="rect">
+            <a:avLst/>
+          </a:prstGeom>
+          <a:noFill/>
+        </p:spPr>
+        <p:txBody>
+          <a:bodyPr wrap="none" rtlCol="0">
+            <a:spAutoFit/>
+          </a:bodyPr>
+          <a:lstStyle/>
+          <a:p>
+            <a:r>
+              <a:rPr lang="en-US" altLang="zh-CN" dirty="0" smtClean="0"/>
+              <a:t>P</a:t>
+            </a:r>
+            <a:endParaRPr lang="en-US" dirty="0"/>
+          </a:p>
+        </p:txBody>
+      </p:sp>
+      <p:cxnSp>
+        <p:nvCxnSpPr>
+          <p:cNvPr id="13" name="Gerade Verbindung mit Pfeil 12"/>
+          <p:cNvCxnSpPr>
+            <a:endCxn id="10" idx="3"/>
+          </p:cNvCxnSpPr>
+          <p:nvPr/>
+        </p:nvCxnSpPr>
+        <p:spPr>
+          <a:xfrm flipV="1">
+            <a:off x="5276761" y="2157546"/>
+            <a:ext cx="820693" cy="781847"/>
+          </a:xfrm>
+          <a:prstGeom prst="straightConnector1">
+            <a:avLst/>
+          </a:prstGeom>
+          <a:ln w="12700">
+            <a:solidFill>
+              <a:srgbClr val="FF0000"/>
+            </a:solidFill>
+            <a:tailEnd type="triangle"/>
+          </a:ln>
+        </p:spPr>
+        <p:style>
+          <a:lnRef idx="1">
+            <a:schemeClr val="accent1"/>
+          </a:lnRef>
+          <a:fillRef idx="0">
+            <a:schemeClr val="accent1"/>
+          </a:fillRef>
+          <a:effectRef idx="0">
+            <a:schemeClr val="accent1"/>
+          </a:effectRef>
+          <a:fontRef idx="minor">
+            <a:schemeClr val="tx1"/>
+          </a:fontRef>
+        </p:style>
+      </p:cxnSp>
+      <mc:AlternateContent xmlns:mc="http://schemas.openxmlformats.org/markup-compatibility/2006">
+        <mc:Choice xmlns:a14="http://schemas.microsoft.com/office/drawing/2010/main" Requires="a14">
+          <p:sp>
+            <p:nvSpPr>
+              <p:cNvPr id="14" name="Textfeld 13"/>
+              <p:cNvSpPr txBox="1"/>
+              <p:nvPr/>
+            </p:nvSpPr>
+            <p:spPr>
+              <a:xfrm>
+                <a:off x="6526289" y="2179137"/>
+                <a:ext cx="699230" cy="369332"/>
+              </a:xfrm>
+              <a:prstGeom prst="rect">
+                <a:avLst/>
+              </a:prstGeom>
+              <a:noFill/>
+            </p:spPr>
+            <p:txBody>
+              <a:bodyPr wrap="none" rtlCol="0">
+                <a:spAutoFit/>
+              </a:bodyPr>
+              <a:lstStyle/>
+              <a:p>
+                <a14:m>
+                  <m:oMathPara xmlns:m="http://schemas.openxmlformats.org/officeDocument/2006/math">
+                    <m:oMathParaPr>
+                      <m:jc m:val="centerGroup"/>
+                    </m:oMathParaPr>
+                    <m:oMath xmlns:m="http://schemas.openxmlformats.org/officeDocument/2006/math">
+                      <m:acc>
+                        <m:accPr>
+                          <m:chr m:val="⃗"/>
+                          <m:ctrlPr>
+                            <a:rPr lang="en-US" b="0" i="1" smtClean="0">
+                              <a:latin typeface="Cambria Math" panose="02040503050406030204" pitchFamily="18" charset="0"/>
+                            </a:rPr>
+                          </m:ctrlPr>
+                        </m:accPr>
+                        <m:e>
+                          <m:r>
+                            <a:rPr lang="en-US" b="0" i="1" smtClean="0">
+                              <a:latin typeface="Cambria Math" panose="02040503050406030204" pitchFamily="18" charset="0"/>
+                            </a:rPr>
+                            <m:t>𝑢</m:t>
+                          </m:r>
+                        </m:e>
+                      </m:acc>
+                      <m:r>
+                        <a:rPr lang="en-US" b="0" i="1" smtClean="0">
+                          <a:latin typeface="Cambria Math" panose="02040503050406030204" pitchFamily="18" charset="0"/>
+                        </a:rPr>
+                        <m:t>(</m:t>
+                      </m:r>
+                      <m:acc>
+                        <m:accPr>
+                          <m:chr m:val="⃗"/>
+                          <m:ctrlPr>
+                            <a:rPr lang="en-US" b="0" i="1" smtClean="0">
+                              <a:latin typeface="Cambria Math" panose="02040503050406030204" pitchFamily="18" charset="0"/>
+                            </a:rPr>
+                          </m:ctrlPr>
+                        </m:accPr>
+                        <m:e>
+                          <m:r>
+                            <a:rPr lang="en-US" b="0" i="1" smtClean="0">
+                              <a:latin typeface="Cambria Math" panose="02040503050406030204" pitchFamily="18" charset="0"/>
+                            </a:rPr>
+                            <m:t>𝑥</m:t>
+                          </m:r>
+                        </m:e>
+                      </m:acc>
+                      <m:r>
+                        <a:rPr lang="en-US" b="0" i="1" smtClean="0">
+                          <a:latin typeface="Cambria Math" panose="02040503050406030204" pitchFamily="18" charset="0"/>
+                        </a:rPr>
+                        <m:t>)</m:t>
+                      </m:r>
+                    </m:oMath>
+                  </m:oMathPara>
+                </a14:m>
+                <a:endParaRPr lang="en-US" dirty="0"/>
+              </a:p>
+            </p:txBody>
+          </p:sp>
+        </mc:Choice>
+        <mc:Fallback>
+          <p:sp>
+            <p:nvSpPr>
+              <p:cNvPr id="14" name="Textfeld 13"/>
+              <p:cNvSpPr txBox="1">
+                <a:spLocks noRot="1" noChangeAspect="1" noMove="1" noResize="1" noEditPoints="1" noAdjustHandles="1" noChangeArrowheads="1" noChangeShapeType="1" noTextEdit="1"/>
+              </p:cNvSpPr>
+              <p:nvPr/>
+            </p:nvSpPr>
+            <p:spPr>
+              <a:xfrm>
+                <a:off x="6526289" y="2179137"/>
+                <a:ext cx="699230" cy="369332"/>
+              </a:xfrm>
+              <a:prstGeom prst="rect">
+                <a:avLst/>
+              </a:prstGeom>
+              <a:blipFill>
+                <a:blip r:embed="rId3"/>
+                <a:stretch>
+                  <a:fillRect t="-22951" r="-23684" b="-13115"/>
+                </a:stretch>
+              </a:blipFill>
+            </p:spPr>
+            <p:txBody>
+              <a:bodyPr/>
+              <a:lstStyle/>
+              <a:p>
+                <a:r>
+                  <a:rPr lang="en-US">
+                    <a:noFill/>
+                  </a:rPr>
+                  <a:t> </a:t>
+                </a:r>
+              </a:p>
+            </p:txBody>
+          </p:sp>
+        </mc:Fallback>
+      </mc:AlternateContent>
+    </p:spTree>
+    <p:extLst>
+      <p:ext uri="{BB962C8B-B14F-4D97-AF65-F5344CB8AC3E}">
+        <p14:creationId xmlns:p14="http://schemas.microsoft.com/office/powerpoint/2010/main" val="1355128136"/>
       </p:ext>
     </p:extLst>
   </p:cSld>
